--- a/iCSC-2014-LAN_Programming_Basics.pptx
+++ b/iCSC-2014-LAN_Programming_Basics.pptx
@@ -9692,7 +9692,7 @@
       </p:sp>
       <p:pic>
         <p:nvPicPr>
-          <p:cNvPr id="1026" name="Picture 2" descr="\\uni-mainz.de\dfs\profiles\settings\kunzejo\Desktop\iCSC14\pics\basics\eps\tcp-ip-model.png"/>
+          <p:cNvPr id="2" name="Picture 2" descr="U:\git\icsc2014\pics\basics\tcp-ip-model.png"/>
           <p:cNvPicPr>
             <a:picLocks noChangeAspect="1" noChangeArrowheads="1"/>
           </p:cNvPicPr>
@@ -9713,8 +9713,8 @@
         </p:blipFill>
         <p:spPr bwMode="auto">
           <a:xfrm>
-            <a:off x="3038750" y="3722551"/>
-            <a:ext cx="5717624" cy="2812893"/>
+            <a:off x="1706523" y="3812466"/>
+            <a:ext cx="6599277" cy="2740734"/>
           </a:xfrm>
           <a:prstGeom prst="rect">
             <a:avLst/>
